--- a/homework3.pptx
+++ b/homework3.pptx
@@ -149,7 +149,7 @@
   </p:defaultTextStyle>
   <p:extLst>
     <p:ext uri="{EFAFB233-063F-42B5-8137-9DF3F51BA10A}">
-      <p15:sldGuideLst xmlns:p15="http://schemas.microsoft.com/office/powerpoint/2012/main" xmlns="">
+      <p15:sldGuideLst xmlns="" xmlns:p15="http://schemas.microsoft.com/office/powerpoint/2012/main">
         <p15:guide id="1" orient="horz" pos="2160">
           <p15:clr>
             <a:srgbClr val="A4A3A4"/>
@@ -253,7 +253,7 @@
             <a:fld id="{223955AB-2899-44F2-A6FC-CCFB4BB1D95C}" type="datetimeFigureOut">
               <a:rPr lang="ko-KR" altLang="en-US" smtClean="0"/>
               <a:pPr/>
-              <a:t>2017-06-06</a:t>
+              <a:t>2017-06-09</a:t>
             </a:fld>
             <a:endParaRPr lang="ko-KR" altLang="en-US"/>
           </a:p>
@@ -423,7 +423,7 @@
     </p:spTree>
     <p:extLst>
       <p:ext uri="{BB962C8B-B14F-4D97-AF65-F5344CB8AC3E}">
-        <p14:creationId xmlns:p14="http://schemas.microsoft.com/office/powerpoint/2010/main" xmlns="" val="1217709706"/>
+        <p14:creationId xmlns="" xmlns:p14="http://schemas.microsoft.com/office/powerpoint/2010/main" val="1217709706"/>
       </p:ext>
     </p:extLst>
   </p:cSld>
@@ -727,7 +727,7 @@
               <a:pPr>
                 <a:defRPr/>
               </a:pPr>
-              <a:t>2017-06-06</a:t>
+              <a:t>2017-06-09</a:t>
             </a:fld>
             <a:endParaRPr lang="ko-KR" altLang="en-US"/>
           </a:p>
@@ -929,7 +929,7 @@
               <a:pPr>
                 <a:defRPr/>
               </a:pPr>
-              <a:t>2017-06-06</a:t>
+              <a:t>2017-06-09</a:t>
             </a:fld>
             <a:endParaRPr lang="ko-KR" altLang="en-US"/>
           </a:p>
@@ -1135,7 +1135,7 @@
               <a:pPr>
                 <a:defRPr/>
               </a:pPr>
-              <a:t>2017-06-06</a:t>
+              <a:t>2017-06-09</a:t>
             </a:fld>
             <a:endParaRPr lang="ko-KR" altLang="en-US"/>
           </a:p>
@@ -1331,7 +1331,7 @@
               <a:pPr>
                 <a:defRPr/>
               </a:pPr>
-              <a:t>2017-06-06</a:t>
+              <a:t>2017-06-09</a:t>
             </a:fld>
             <a:endParaRPr lang="ko-KR" altLang="en-US"/>
           </a:p>
@@ -1550,7 +1550,7 @@
               <a:pPr>
                 <a:defRPr/>
               </a:pPr>
-              <a:t>2017-06-06</a:t>
+              <a:t>2017-06-09</a:t>
             </a:fld>
             <a:endParaRPr lang="ko-KR" altLang="en-US"/>
           </a:p>
@@ -1863,7 +1863,7 @@
               <a:pPr>
                 <a:defRPr/>
               </a:pPr>
-              <a:t>2017-06-06</a:t>
+              <a:t>2017-06-09</a:t>
             </a:fld>
             <a:endParaRPr lang="ko-KR" altLang="en-US"/>
           </a:p>
@@ -2315,7 +2315,7 @@
               <a:pPr>
                 <a:defRPr/>
               </a:pPr>
-              <a:t>2017-06-06</a:t>
+              <a:t>2017-06-09</a:t>
             </a:fld>
             <a:endParaRPr lang="ko-KR" altLang="en-US"/>
           </a:p>
@@ -2460,7 +2460,7 @@
               <a:pPr>
                 <a:defRPr/>
               </a:pPr>
-              <a:t>2017-06-06</a:t>
+              <a:t>2017-06-09</a:t>
             </a:fld>
             <a:endParaRPr lang="ko-KR" altLang="en-US"/>
           </a:p>
@@ -2583,7 +2583,7 @@
               <a:pPr>
                 <a:defRPr/>
               </a:pPr>
-              <a:t>2017-06-06</a:t>
+              <a:t>2017-06-09</a:t>
             </a:fld>
             <a:endParaRPr lang="ko-KR" altLang="en-US"/>
           </a:p>
@@ -2886,7 +2886,7 @@
               <a:pPr>
                 <a:defRPr/>
               </a:pPr>
-              <a:t>2017-06-06</a:t>
+              <a:t>2017-06-09</a:t>
             </a:fld>
             <a:endParaRPr lang="ko-KR" altLang="en-US"/>
           </a:p>
@@ -3170,7 +3170,7 @@
               <a:pPr>
                 <a:defRPr/>
               </a:pPr>
-              <a:t>2017-06-06</a:t>
+              <a:t>2017-06-09</a:t>
             </a:fld>
             <a:endParaRPr lang="ko-KR" altLang="en-US"/>
           </a:p>
@@ -3524,7 +3524,7 @@
               <a:pPr>
                 <a:defRPr/>
               </a:pPr>
-              <a:t>2017-06-06</a:t>
+              <a:t>2017-06-09</a:t>
             </a:fld>
             <a:endParaRPr lang="ko-KR" altLang="en-US"/>
           </a:p>
@@ -4630,10 +4630,10 @@
           <p:nvPr/>
         </p:nvPicPr>
         <p:blipFill>
-          <a:blip r:embed="rId2">
+          <a:blip r:embed="rId2" cstate="print">
             <a:extLst>
               <a:ext uri="{28A0092B-C50C-407E-A947-70E740481C1C}">
-                <a14:useLocalDpi xmlns:a14="http://schemas.microsoft.com/office/drawing/2010/main" xmlns="" val="0"/>
+                <a14:useLocalDpi xmlns="" xmlns:a14="http://schemas.microsoft.com/office/drawing/2010/main" val="0"/>
               </a:ext>
             </a:extLst>
           </a:blip>
@@ -4660,10 +4660,10 @@
           <p:nvPr/>
         </p:nvPicPr>
         <p:blipFill>
-          <a:blip r:embed="rId3">
+          <a:blip r:embed="rId3" cstate="print">
             <a:extLst>
               <a:ext uri="{28A0092B-C50C-407E-A947-70E740481C1C}">
-                <a14:useLocalDpi xmlns:a14="http://schemas.microsoft.com/office/drawing/2010/main" xmlns="" val="0"/>
+                <a14:useLocalDpi xmlns="" xmlns:a14="http://schemas.microsoft.com/office/drawing/2010/main" val="0"/>
               </a:ext>
             </a:extLst>
           </a:blip>
@@ -4860,7 +4860,7 @@
     </p:spTree>
     <p:extLst>
       <p:ext uri="{BB962C8B-B14F-4D97-AF65-F5344CB8AC3E}">
-        <p14:creationId xmlns:p14="http://schemas.microsoft.com/office/powerpoint/2010/main" xmlns="" val="2938927725"/>
+        <p14:creationId xmlns="" xmlns:p14="http://schemas.microsoft.com/office/powerpoint/2010/main" val="2938927725"/>
       </p:ext>
     </p:extLst>
   </p:cSld>
@@ -5388,7 +5388,7 @@
     </p:spTree>
     <p:extLst>
       <p:ext uri="{BB962C8B-B14F-4D97-AF65-F5344CB8AC3E}">
-        <p14:creationId xmlns:p14="http://schemas.microsoft.com/office/powerpoint/2010/main" xmlns="" val="871749106"/>
+        <p14:creationId xmlns="" xmlns:p14="http://schemas.microsoft.com/office/powerpoint/2010/main" val="871749106"/>
       </p:ext>
     </p:extLst>
   </p:cSld>
@@ -5676,7 +5676,7 @@
           <a:blip r:embed="rId2" cstate="print">
             <a:extLst>
               <a:ext uri="{28A0092B-C50C-407E-A947-70E740481C1C}">
-                <a14:useLocalDpi xmlns:a14="http://schemas.microsoft.com/office/drawing/2010/main" xmlns="" val="0"/>
+                <a14:useLocalDpi xmlns="" xmlns:a14="http://schemas.microsoft.com/office/drawing/2010/main" val="0"/>
               </a:ext>
             </a:extLst>
           </a:blip>
@@ -5696,7 +5696,7 @@
           <a:noFill/>
           <a:extLst>
             <a:ext uri="{909E8E84-426E-40DD-AFC4-6F175D3DCCD1}">
-              <a14:hiddenFill xmlns:a14="http://schemas.microsoft.com/office/drawing/2010/main" xmlns="">
+              <a14:hiddenFill xmlns="" xmlns:a14="http://schemas.microsoft.com/office/drawing/2010/main">
                 <a:solidFill>
                   <a:srgbClr val="FFFFFF"/>
                 </a:solidFill>
@@ -5714,7 +5714,7 @@
           <p:nvPr/>
         </p:nvPicPr>
         <p:blipFill>
-          <a:blip r:embed="rId3"/>
+          <a:blip r:embed="rId3" cstate="print"/>
           <a:stretch>
             <a:fillRect/>
           </a:stretch>
@@ -6277,7 +6277,7 @@
           <p:nvPr/>
         </p:nvPicPr>
         <p:blipFill>
-          <a:blip r:embed="rId2"/>
+          <a:blip r:embed="rId2" cstate="print"/>
           <a:stretch>
             <a:fillRect/>
           </a:stretch>
@@ -6301,7 +6301,7 @@
           <p:nvPr/>
         </p:nvPicPr>
         <p:blipFill>
-          <a:blip r:embed="rId3"/>
+          <a:blip r:embed="rId3" cstate="print"/>
           <a:stretch>
             <a:fillRect/>
           </a:stretch>
@@ -6319,7 +6319,7 @@
     </p:spTree>
     <p:extLst>
       <p:ext uri="{BB962C8B-B14F-4D97-AF65-F5344CB8AC3E}">
-        <p14:creationId xmlns:p14="http://schemas.microsoft.com/office/powerpoint/2010/main" xmlns="" val="269573667"/>
+        <p14:creationId xmlns="" xmlns:p14="http://schemas.microsoft.com/office/powerpoint/2010/main" val="269573667"/>
       </p:ext>
     </p:extLst>
   </p:cSld>
@@ -6555,35 +6555,35 @@
           <a:p>
             <a:pPr lvl="2" eaLnBrk="1" hangingPunct="1"/>
             <a:r>
-              <a:rPr lang="ko-KR" altLang="en-US" sz="1500" b="1" dirty="0">
+              <a:rPr lang="ko-KR" altLang="en-US" sz="1500" b="1" strike="sngStrike" dirty="0">
                 <a:latin typeface="맑은 고딕" panose="020B0503020000020004" pitchFamily="50" charset="-127"/>
                 <a:ea typeface="맑은 고딕" panose="020B0503020000020004" pitchFamily="50" charset="-127"/>
               </a:rPr>
               <a:t>플레이어</a:t>
             </a:r>
             <a:r>
-              <a:rPr lang="en-US" altLang="ko-KR" sz="1500" b="1" dirty="0">
+              <a:rPr lang="en-US" altLang="ko-KR" sz="1500" b="1" strike="sngStrike" dirty="0">
                 <a:latin typeface="맑은 고딕" panose="020B0503020000020004" pitchFamily="50" charset="-127"/>
                 <a:ea typeface="맑은 고딕" panose="020B0503020000020004" pitchFamily="50" charset="-127"/>
               </a:rPr>
               <a:t>(</a:t>
             </a:r>
             <a:r>
-              <a:rPr lang="ko-KR" altLang="en-US" sz="1500" b="1" dirty="0">
+              <a:rPr lang="ko-KR" altLang="en-US" sz="1500" b="1" strike="sngStrike" dirty="0">
                 <a:latin typeface="맑은 고딕" panose="020B0503020000020004" pitchFamily="50" charset="-127"/>
                 <a:ea typeface="맑은 고딕" panose="020B0503020000020004" pitchFamily="50" charset="-127"/>
               </a:rPr>
               <a:t>작은 삼각형</a:t>
             </a:r>
             <a:r>
-              <a:rPr lang="en-US" altLang="ko-KR" sz="1500" b="1" dirty="0">
+              <a:rPr lang="en-US" altLang="ko-KR" sz="1500" b="1" strike="sngStrike" dirty="0">
                 <a:latin typeface="맑은 고딕" panose="020B0503020000020004" pitchFamily="50" charset="-127"/>
                 <a:ea typeface="맑은 고딕" panose="020B0503020000020004" pitchFamily="50" charset="-127"/>
               </a:rPr>
               <a:t>)</a:t>
             </a:r>
             <a:r>
-              <a:rPr lang="ko-KR" altLang="en-US" sz="1500" b="1" dirty="0">
+              <a:rPr lang="ko-KR" altLang="en-US" sz="1500" b="1" strike="sngStrike" dirty="0">
                 <a:latin typeface="맑은 고딕" panose="020B0503020000020004" pitchFamily="50" charset="-127"/>
                 <a:ea typeface="맑은 고딕" panose="020B0503020000020004" pitchFamily="50" charset="-127"/>
               </a:rPr>
@@ -6757,7 +6757,7 @@
           <p:nvPr/>
         </p:nvPicPr>
         <p:blipFill>
-          <a:blip r:embed="rId2"/>
+          <a:blip r:embed="rId2" cstate="print"/>
           <a:stretch>
             <a:fillRect/>
           </a:stretch>
@@ -6781,7 +6781,7 @@
           <p:nvPr/>
         </p:nvPicPr>
         <p:blipFill>
-          <a:blip r:embed="rId3"/>
+          <a:blip r:embed="rId3" cstate="print"/>
           <a:stretch>
             <a:fillRect/>
           </a:stretch>
@@ -7209,7 +7209,7 @@
           <p:nvPr/>
         </p:nvPicPr>
         <p:blipFill>
-          <a:blip r:embed="rId2"/>
+          <a:blip r:embed="rId2" cstate="print"/>
           <a:stretch>
             <a:fillRect/>
           </a:stretch>
@@ -7233,7 +7233,7 @@
           <p:nvPr/>
         </p:nvPicPr>
         <p:blipFill>
-          <a:blip r:embed="rId3"/>
+          <a:blip r:embed="rId3" cstate="print"/>
           <a:stretch>
             <a:fillRect/>
           </a:stretch>
@@ -7257,7 +7257,7 @@
           <p:nvPr/>
         </p:nvPicPr>
         <p:blipFill>
-          <a:blip r:embed="rId4"/>
+          <a:blip r:embed="rId4" cstate="print"/>
           <a:stretch>
             <a:fillRect/>
           </a:stretch>
@@ -7343,7 +7343,7 @@
     </p:spTree>
     <p:extLst>
       <p:ext uri="{BB962C8B-B14F-4D97-AF65-F5344CB8AC3E}">
-        <p14:creationId xmlns:p14="http://schemas.microsoft.com/office/powerpoint/2010/main" xmlns="" val="4158711443"/>
+        <p14:creationId xmlns="" xmlns:p14="http://schemas.microsoft.com/office/powerpoint/2010/main" val="4158711443"/>
       </p:ext>
     </p:extLst>
   </p:cSld>
@@ -7711,7 +7711,7 @@
     </p:spTree>
     <p:extLst>
       <p:ext uri="{BB962C8B-B14F-4D97-AF65-F5344CB8AC3E}">
-        <p14:creationId xmlns:p14="http://schemas.microsoft.com/office/powerpoint/2010/main" xmlns="" val="3108931165"/>
+        <p14:creationId xmlns="" xmlns:p14="http://schemas.microsoft.com/office/powerpoint/2010/main" val="3108931165"/>
       </p:ext>
     </p:extLst>
   </p:cSld>
@@ -8101,7 +8101,7 @@
           <p:nvPr/>
         </p:nvPicPr>
         <p:blipFill>
-          <a:blip r:embed="rId2"/>
+          <a:blip r:embed="rId2" cstate="print"/>
           <a:stretch>
             <a:fillRect/>
           </a:stretch>
@@ -8125,7 +8125,7 @@
           <p:nvPr/>
         </p:nvPicPr>
         <p:blipFill>
-          <a:blip r:embed="rId3"/>
+          <a:blip r:embed="rId3" cstate="print"/>
           <a:stretch>
             <a:fillRect/>
           </a:stretch>
@@ -8149,7 +8149,7 @@
           <p:nvPr/>
         </p:nvPicPr>
         <p:blipFill>
-          <a:blip r:embed="rId4"/>
+          <a:blip r:embed="rId4" cstate="print"/>
           <a:stretch>
             <a:fillRect/>
           </a:stretch>
@@ -8343,7 +8343,7 @@
     </p:spTree>
     <p:extLst>
       <p:ext uri="{BB962C8B-B14F-4D97-AF65-F5344CB8AC3E}">
-        <p14:creationId xmlns:p14="http://schemas.microsoft.com/office/powerpoint/2010/main" xmlns="" val="4131127536"/>
+        <p14:creationId xmlns="" xmlns:p14="http://schemas.microsoft.com/office/powerpoint/2010/main" val="4131127536"/>
       </p:ext>
     </p:extLst>
   </p:cSld>
@@ -8476,10 +8476,10 @@
             <p:nvPr/>
           </p:nvPicPr>
           <p:blipFill>
-            <a:blip r:embed="rId2">
+            <a:blip r:embed="rId2" cstate="print">
               <a:extLst>
                 <a:ext uri="{28A0092B-C50C-407E-A947-70E740481C1C}">
-                  <a14:useLocalDpi xmlns:a14="http://schemas.microsoft.com/office/drawing/2010/main" xmlns="" val="0"/>
+                  <a14:useLocalDpi xmlns="" xmlns:a14="http://schemas.microsoft.com/office/drawing/2010/main" val="0"/>
                 </a:ext>
               </a:extLst>
             </a:blip>
@@ -8587,10 +8587,10 @@
             <p:nvPr/>
           </p:nvPicPr>
           <p:blipFill>
-            <a:blip r:embed="rId3">
+            <a:blip r:embed="rId3" cstate="print">
               <a:extLst>
                 <a:ext uri="{28A0092B-C50C-407E-A947-70E740481C1C}">
-                  <a14:useLocalDpi xmlns:a14="http://schemas.microsoft.com/office/drawing/2010/main" xmlns="" val="0"/>
+                  <a14:useLocalDpi xmlns="" xmlns:a14="http://schemas.microsoft.com/office/drawing/2010/main" val="0"/>
                 </a:ext>
               </a:extLst>
             </a:blip>
@@ -8683,10 +8683,10 @@
             <p:nvPr/>
           </p:nvPicPr>
           <p:blipFill>
-            <a:blip r:embed="rId4">
+            <a:blip r:embed="rId4" cstate="print">
               <a:extLst>
                 <a:ext uri="{28A0092B-C50C-407E-A947-70E740481C1C}">
-                  <a14:useLocalDpi xmlns:a14="http://schemas.microsoft.com/office/drawing/2010/main" xmlns="" val="0"/>
+                  <a14:useLocalDpi xmlns="" xmlns:a14="http://schemas.microsoft.com/office/drawing/2010/main" val="0"/>
                 </a:ext>
               </a:extLst>
             </a:blip>
@@ -8714,10 +8714,10 @@
           <p:nvPr/>
         </p:nvPicPr>
         <p:blipFill>
-          <a:blip r:embed="rId5">
+          <a:blip r:embed="rId5" cstate="print">
             <a:extLst>
               <a:ext uri="{28A0092B-C50C-407E-A947-70E740481C1C}">
-                <a14:useLocalDpi xmlns:a14="http://schemas.microsoft.com/office/drawing/2010/main" xmlns="" val="0"/>
+                <a14:useLocalDpi xmlns="" xmlns:a14="http://schemas.microsoft.com/office/drawing/2010/main" val="0"/>
               </a:ext>
             </a:extLst>
           </a:blip>
@@ -8914,7 +8914,7 @@
     </p:spTree>
     <p:extLst>
       <p:ext uri="{BB962C8B-B14F-4D97-AF65-F5344CB8AC3E}">
-        <p14:creationId xmlns:p14="http://schemas.microsoft.com/office/powerpoint/2010/main" xmlns="" val="3775221084"/>
+        <p14:creationId xmlns="" xmlns:p14="http://schemas.microsoft.com/office/powerpoint/2010/main" val="3775221084"/>
       </p:ext>
     </p:extLst>
   </p:cSld>
@@ -9071,10 +9071,10 @@
           <p:nvPr/>
         </p:nvPicPr>
         <p:blipFill>
-          <a:blip r:embed="rId2">
+          <a:blip r:embed="rId2" cstate="print">
             <a:extLst>
               <a:ext uri="{28A0092B-C50C-407E-A947-70E740481C1C}">
-                <a14:useLocalDpi xmlns:a14="http://schemas.microsoft.com/office/drawing/2010/main" xmlns="" val="0"/>
+                <a14:useLocalDpi xmlns="" xmlns:a14="http://schemas.microsoft.com/office/drawing/2010/main" val="0"/>
               </a:ext>
             </a:extLst>
           </a:blip>
@@ -9101,10 +9101,10 @@
           <p:nvPr/>
         </p:nvPicPr>
         <p:blipFill>
-          <a:blip r:embed="rId3">
+          <a:blip r:embed="rId3" cstate="print">
             <a:extLst>
               <a:ext uri="{28A0092B-C50C-407E-A947-70E740481C1C}">
-                <a14:useLocalDpi xmlns:a14="http://schemas.microsoft.com/office/drawing/2010/main" xmlns="" val="0"/>
+                <a14:useLocalDpi xmlns="" xmlns:a14="http://schemas.microsoft.com/office/drawing/2010/main" val="0"/>
               </a:ext>
             </a:extLst>
           </a:blip>
@@ -9301,7 +9301,7 @@
     </p:spTree>
     <p:extLst>
       <p:ext uri="{BB962C8B-B14F-4D97-AF65-F5344CB8AC3E}">
-        <p14:creationId xmlns:p14="http://schemas.microsoft.com/office/powerpoint/2010/main" xmlns="" val="207583485"/>
+        <p14:creationId xmlns="" xmlns:p14="http://schemas.microsoft.com/office/powerpoint/2010/main" val="207583485"/>
       </p:ext>
     </p:extLst>
   </p:cSld>

--- a/homework3.pptx
+++ b/homework3.pptx
@@ -6935,25 +6935,56 @@
           <a:p>
             <a:pPr lvl="3" eaLnBrk="1" hangingPunct="1"/>
             <a:r>
-              <a:rPr lang="en-US" altLang="ko-KR" sz="1500" dirty="0" err="1">
+              <a:rPr lang="en-US" altLang="ko-KR" sz="1500" strike="sngStrike" dirty="0" err="1">
                 <a:latin typeface="맑은 고딕" panose="020B0503020000020004" pitchFamily="50" charset="-127"/>
                 <a:ea typeface="맑은 고딕" panose="020B0503020000020004" pitchFamily="50" charset="-127"/>
               </a:rPr>
               <a:t>Ngon</a:t>
             </a:r>
             <a:r>
+              <a:rPr lang="ko-KR" altLang="en-US" sz="1500" strike="sngStrike" dirty="0">
+                <a:latin typeface="맑은 고딕" panose="020B0503020000020004" pitchFamily="50" charset="-127"/>
+                <a:ea typeface="맑은 고딕" panose="020B0503020000020004" pitchFamily="50" charset="-127"/>
+              </a:rPr>
+              <a:t>의 각 변에서 랜덤하게 장애물 출현 </a:t>
+            </a:r>
+            <a:r>
+              <a:rPr lang="en-US" altLang="ko-KR" sz="1500" dirty="0">
+                <a:latin typeface="맑은 고딕" panose="020B0503020000020004" pitchFamily="50" charset="-127"/>
+                <a:ea typeface="맑은 고딕" panose="020B0503020000020004" pitchFamily="50" charset="-127"/>
+              </a:rPr>
+              <a:t>(1.5</a:t>
+            </a:r>
+            <a:r>
               <a:rPr lang="ko-KR" altLang="en-US" sz="1500" dirty="0">
                 <a:latin typeface="맑은 고딕" panose="020B0503020000020004" pitchFamily="50" charset="-127"/>
                 <a:ea typeface="맑은 고딕" panose="020B0503020000020004" pitchFamily="50" charset="-127"/>
               </a:rPr>
-              <a:t>의 각 변에서 랜덤하게 장애물 출현 </a:t>
+              <a:t>점</a:t>
             </a:r>
             <a:r>
               <a:rPr lang="en-US" altLang="ko-KR" sz="1500" dirty="0">
                 <a:latin typeface="맑은 고딕" panose="020B0503020000020004" pitchFamily="50" charset="-127"/>
                 <a:ea typeface="맑은 고딕" panose="020B0503020000020004" pitchFamily="50" charset="-127"/>
               </a:rPr>
-              <a:t>(1.5</a:t>
+              <a:t>)</a:t>
+            </a:r>
+          </a:p>
+          <a:p>
+            <a:pPr lvl="3" eaLnBrk="1" hangingPunct="1"/>
+            <a:r>
+              <a:rPr lang="ko-KR" altLang="en-US" sz="1500" strike="sngStrike" dirty="0">
+                <a:latin typeface="맑은 고딕" panose="020B0503020000020004" pitchFamily="50" charset="-127"/>
+                <a:ea typeface="맑은 고딕" panose="020B0503020000020004" pitchFamily="50" charset="-127"/>
+              </a:rPr>
+              <a:t>한번에 모든 각에서 장애물이 생성되면 안되므로 예외처리 </a:t>
+            </a:r>
+            <a:r>
+              <a:rPr lang="en-US" altLang="ko-KR" sz="1500" dirty="0">
+                <a:latin typeface="맑은 고딕" panose="020B0503020000020004" pitchFamily="50" charset="-127"/>
+                <a:ea typeface="맑은 고딕" panose="020B0503020000020004" pitchFamily="50" charset="-127"/>
+              </a:rPr>
+              <a:t>(0.5</a:t>
             </a:r>
             <a:r>
               <a:rPr lang="ko-KR" altLang="en-US" sz="1500" dirty="0">
@@ -6971,130 +7002,99 @@
             </a:r>
           </a:p>
           <a:p>
+            <a:pPr lvl="2" eaLnBrk="1" hangingPunct="1"/>
+            <a:r>
+              <a:rPr lang="ko-KR" altLang="en-US" sz="1500" b="1" dirty="0">
+                <a:latin typeface="맑은 고딕" panose="020B0503020000020004" pitchFamily="50" charset="-127"/>
+                <a:ea typeface="맑은 고딕" panose="020B0503020000020004" pitchFamily="50" charset="-127"/>
+              </a:rPr>
+              <a:t>장애물에 삼각형이 부딪히면 게임 종료 구현 </a:t>
+            </a:r>
+            <a:r>
+              <a:rPr lang="en-US" altLang="ko-KR" sz="1500" b="1" dirty="0">
+                <a:latin typeface="맑은 고딕" panose="020B0503020000020004" pitchFamily="50" charset="-127"/>
+                <a:ea typeface="맑은 고딕" panose="020B0503020000020004" pitchFamily="50" charset="-127"/>
+              </a:rPr>
+              <a:t>(1</a:t>
+            </a:r>
+            <a:r>
+              <a:rPr lang="ko-KR" altLang="en-US" sz="1500" b="1" dirty="0">
+                <a:latin typeface="맑은 고딕" panose="020B0503020000020004" pitchFamily="50" charset="-127"/>
+                <a:ea typeface="맑은 고딕" panose="020B0503020000020004" pitchFamily="50" charset="-127"/>
+              </a:rPr>
+              <a:t>점</a:t>
+            </a:r>
+            <a:r>
+              <a:rPr lang="en-US" altLang="ko-KR" sz="1500" b="1" dirty="0">
+                <a:latin typeface="맑은 고딕" panose="020B0503020000020004" pitchFamily="50" charset="-127"/>
+                <a:ea typeface="맑은 고딕" panose="020B0503020000020004" pitchFamily="50" charset="-127"/>
+              </a:rPr>
+              <a:t>)</a:t>
+            </a:r>
+          </a:p>
+          <a:p>
             <a:pPr lvl="3" eaLnBrk="1" hangingPunct="1"/>
             <a:r>
+              <a:rPr lang="ko-KR" altLang="en-US" sz="1500" strike="sngStrike" dirty="0">
+                <a:latin typeface="맑은 고딕" panose="020B0503020000020004" pitchFamily="50" charset="-127"/>
+                <a:ea typeface="맑은 고딕" panose="020B0503020000020004" pitchFamily="50" charset="-127"/>
+              </a:rPr>
+              <a:t>게임 기록</a:t>
+            </a:r>
+            <a:r>
+              <a:rPr lang="en-US" altLang="ko-KR" sz="1500" strike="sngStrike" dirty="0">
+                <a:latin typeface="맑은 고딕" panose="020B0503020000020004" pitchFamily="50" charset="-127"/>
+                <a:ea typeface="맑은 고딕" panose="020B0503020000020004" pitchFamily="50" charset="-127"/>
+              </a:rPr>
+              <a:t>(</a:t>
+            </a:r>
+            <a:r>
+              <a:rPr lang="ko-KR" altLang="en-US" sz="1500" strike="sngStrike" dirty="0">
+                <a:latin typeface="맑은 고딕" panose="020B0503020000020004" pitchFamily="50" charset="-127"/>
+                <a:ea typeface="맑은 고딕" panose="020B0503020000020004" pitchFamily="50" charset="-127"/>
+              </a:rPr>
+              <a:t>타임</a:t>
+            </a:r>
+            <a:r>
+              <a:rPr lang="en-US" altLang="ko-KR" sz="1500" strike="sngStrike" dirty="0">
+                <a:latin typeface="맑은 고딕" panose="020B0503020000020004" pitchFamily="50" charset="-127"/>
+                <a:ea typeface="맑은 고딕" panose="020B0503020000020004" pitchFamily="50" charset="-127"/>
+              </a:rPr>
+              <a:t>) </a:t>
+            </a:r>
+            <a:r>
+              <a:rPr lang="ko-KR" altLang="en-US" sz="1500" strike="sngStrike" dirty="0">
+                <a:latin typeface="맑은 고딕" panose="020B0503020000020004" pitchFamily="50" charset="-127"/>
+                <a:ea typeface="맑은 고딕" panose="020B0503020000020004" pitchFamily="50" charset="-127"/>
+              </a:rPr>
+              <a:t>출력 </a:t>
+            </a:r>
+            <a:r>
+              <a:rPr lang="en-US" altLang="ko-KR" sz="1500" dirty="0">
+                <a:latin typeface="맑은 고딕" panose="020B0503020000020004" pitchFamily="50" charset="-127"/>
+                <a:ea typeface="맑은 고딕" panose="020B0503020000020004" pitchFamily="50" charset="-127"/>
+              </a:rPr>
+              <a:t>(0.5</a:t>
+            </a:r>
+            <a:r>
               <a:rPr lang="ko-KR" altLang="en-US" sz="1500" dirty="0">
                 <a:latin typeface="맑은 고딕" panose="020B0503020000020004" pitchFamily="50" charset="-127"/>
                 <a:ea typeface="맑은 고딕" panose="020B0503020000020004" pitchFamily="50" charset="-127"/>
               </a:rPr>
-              <a:t>한번에 모든 각에서 장애물이 생성되면 안되므로 예외처리 </a:t>
+              <a:t>점</a:t>
             </a:r>
             <a:r>
               <a:rPr lang="en-US" altLang="ko-KR" sz="1500" dirty="0">
                 <a:latin typeface="맑은 고딕" panose="020B0503020000020004" pitchFamily="50" charset="-127"/>
                 <a:ea typeface="맑은 고딕" panose="020B0503020000020004" pitchFamily="50" charset="-127"/>
               </a:rPr>
-              <a:t>(0.5</a:t>
-            </a:r>
-            <a:r>
-              <a:rPr lang="ko-KR" altLang="en-US" sz="1500" dirty="0">
-                <a:latin typeface="맑은 고딕" panose="020B0503020000020004" pitchFamily="50" charset="-127"/>
-                <a:ea typeface="맑은 고딕" panose="020B0503020000020004" pitchFamily="50" charset="-127"/>
-              </a:rPr>
-              <a:t>점</a:t>
-            </a:r>
-            <a:r>
-              <a:rPr lang="en-US" altLang="ko-KR" sz="1500" dirty="0">
-                <a:latin typeface="맑은 고딕" panose="020B0503020000020004" pitchFamily="50" charset="-127"/>
-                <a:ea typeface="맑은 고딕" panose="020B0503020000020004" pitchFamily="50" charset="-127"/>
-              </a:rPr>
               <a:t>)</a:t>
             </a:r>
           </a:p>
           <a:p>
-            <a:pPr lvl="2" eaLnBrk="1" hangingPunct="1"/>
-            <a:r>
-              <a:rPr lang="ko-KR" altLang="en-US" sz="1500" b="1" dirty="0">
-                <a:latin typeface="맑은 고딕" panose="020B0503020000020004" pitchFamily="50" charset="-127"/>
-                <a:ea typeface="맑은 고딕" panose="020B0503020000020004" pitchFamily="50" charset="-127"/>
-              </a:rPr>
-              <a:t>장애물에 삼각형이 부딪히면 게임 종료 구현 </a:t>
-            </a:r>
-            <a:r>
-              <a:rPr lang="en-US" altLang="ko-KR" sz="1500" b="1" dirty="0">
-                <a:latin typeface="맑은 고딕" panose="020B0503020000020004" pitchFamily="50" charset="-127"/>
-                <a:ea typeface="맑은 고딕" panose="020B0503020000020004" pitchFamily="50" charset="-127"/>
-              </a:rPr>
-              <a:t>(1</a:t>
-            </a:r>
-            <a:r>
-              <a:rPr lang="ko-KR" altLang="en-US" sz="1500" b="1" dirty="0">
-                <a:latin typeface="맑은 고딕" panose="020B0503020000020004" pitchFamily="50" charset="-127"/>
-                <a:ea typeface="맑은 고딕" panose="020B0503020000020004" pitchFamily="50" charset="-127"/>
-              </a:rPr>
-              <a:t>점</a:t>
-            </a:r>
-            <a:r>
-              <a:rPr lang="en-US" altLang="ko-KR" sz="1500" b="1" dirty="0">
-                <a:latin typeface="맑은 고딕" panose="020B0503020000020004" pitchFamily="50" charset="-127"/>
-                <a:ea typeface="맑은 고딕" panose="020B0503020000020004" pitchFamily="50" charset="-127"/>
-              </a:rPr>
-              <a:t>)</a:t>
-            </a:r>
-          </a:p>
-          <a:p>
             <a:pPr lvl="3" eaLnBrk="1" hangingPunct="1"/>
             <a:r>
-              <a:rPr lang="ko-KR" altLang="en-US" sz="1500" dirty="0">
-                <a:latin typeface="맑은 고딕" panose="020B0503020000020004" pitchFamily="50" charset="-127"/>
-                <a:ea typeface="맑은 고딕" panose="020B0503020000020004" pitchFamily="50" charset="-127"/>
-              </a:rPr>
-              <a:t>게임 기록</a:t>
-            </a:r>
-            <a:r>
-              <a:rPr lang="en-US" altLang="ko-KR" sz="1500" dirty="0">
-                <a:latin typeface="맑은 고딕" panose="020B0503020000020004" pitchFamily="50" charset="-127"/>
-                <a:ea typeface="맑은 고딕" panose="020B0503020000020004" pitchFamily="50" charset="-127"/>
-              </a:rPr>
-              <a:t>(</a:t>
-            </a:r>
-            <a:r>
-              <a:rPr lang="ko-KR" altLang="en-US" sz="1500" dirty="0">
-                <a:latin typeface="맑은 고딕" panose="020B0503020000020004" pitchFamily="50" charset="-127"/>
-                <a:ea typeface="맑은 고딕" panose="020B0503020000020004" pitchFamily="50" charset="-127"/>
-              </a:rPr>
-              <a:t>타임</a:t>
-            </a:r>
-            <a:r>
-              <a:rPr lang="en-US" altLang="ko-KR" sz="1500" dirty="0">
-                <a:latin typeface="맑은 고딕" panose="020B0503020000020004" pitchFamily="50" charset="-127"/>
-                <a:ea typeface="맑은 고딕" panose="020B0503020000020004" pitchFamily="50" charset="-127"/>
-              </a:rPr>
-              <a:t>) </a:t>
-            </a:r>
-            <a:r>
-              <a:rPr lang="ko-KR" altLang="en-US" sz="1500" dirty="0">
-                <a:latin typeface="맑은 고딕" panose="020B0503020000020004" pitchFamily="50" charset="-127"/>
-                <a:ea typeface="맑은 고딕" panose="020B0503020000020004" pitchFamily="50" charset="-127"/>
-              </a:rPr>
-              <a:t>출력 </a:t>
-            </a:r>
-            <a:r>
-              <a:rPr lang="en-US" altLang="ko-KR" sz="1500" dirty="0">
-                <a:latin typeface="맑은 고딕" panose="020B0503020000020004" pitchFamily="50" charset="-127"/>
-                <a:ea typeface="맑은 고딕" panose="020B0503020000020004" pitchFamily="50" charset="-127"/>
-              </a:rPr>
-              <a:t>(0.5</a:t>
-            </a:r>
-            <a:r>
-              <a:rPr lang="ko-KR" altLang="en-US" sz="1500" dirty="0">
-                <a:latin typeface="맑은 고딕" panose="020B0503020000020004" pitchFamily="50" charset="-127"/>
-                <a:ea typeface="맑은 고딕" panose="020B0503020000020004" pitchFamily="50" charset="-127"/>
-              </a:rPr>
-              <a:t>점</a:t>
-            </a:r>
-            <a:r>
-              <a:rPr lang="en-US" altLang="ko-KR" sz="1500" dirty="0">
-                <a:latin typeface="맑은 고딕" panose="020B0503020000020004" pitchFamily="50" charset="-127"/>
-                <a:ea typeface="맑은 고딕" panose="020B0503020000020004" pitchFamily="50" charset="-127"/>
-              </a:rPr>
-              <a:t>)</a:t>
-            </a:r>
-          </a:p>
-          <a:p>
-            <a:pPr lvl="3" eaLnBrk="1" hangingPunct="1"/>
-            <a:r>
-              <a:rPr lang="ko-KR" altLang="en-US" sz="1500" dirty="0">
+              <a:rPr lang="ko-KR" altLang="en-US" sz="1500" strike="sngStrike" dirty="0">
                 <a:latin typeface="맑은 고딕" panose="020B0503020000020004" pitchFamily="50" charset="-127"/>
                 <a:ea typeface="맑은 고딕" panose="020B0503020000020004" pitchFamily="50" charset="-127"/>
               </a:rPr>
